--- a/Presentacion/Version Control.pptx
+++ b/Presentacion/Version Control.pptx
@@ -27,6 +27,7 @@
     <p:sldId id="274" r:id="rId21"/>
     <p:sldId id="275" r:id="rId22"/>
     <p:sldId id="276" r:id="rId23"/>
+    <p:sldId id="277" r:id="rId24"/>
   </p:sldIdLst>
   <p:sldSz cx="12192000" cy="6858000"/>
   <p:notesSz cx="6858000" cy="9144000"/>
@@ -320,7 +321,7 @@
             <a:fld id="{5923F103-BC34-4FE4-A40E-EDDEECFDA5D0}" type="datetimeFigureOut">
               <a:rPr lang="en-US" smtClean="0"/>
               <a:pPr/>
-              <a:t>9/30/2020</a:t>
+              <a:t>10/6/2020</a:t>
             </a:fld>
             <a:endParaRPr lang="en-US" dirty="0"/>
           </a:p>
@@ -596,7 +597,7 @@
           <a:p>
             <a:fld id="{923A1CC3-2375-41D4-9E03-427CAF2A4C1A}" type="datetimeFigureOut">
               <a:rPr lang="en-US" smtClean="0"/>
-              <a:t>9/30/2020</a:t>
+              <a:t>10/6/2020</a:t>
             </a:fld>
             <a:endParaRPr lang="en-US" dirty="0"/>
           </a:p>
@@ -791,7 +792,7 @@
           <a:p>
             <a:fld id="{AFF16868-8199-4C2C-A5B1-63AEE139F88E}" type="datetimeFigureOut">
               <a:rPr lang="en-US" smtClean="0"/>
-              <a:t>9/30/2020</a:t>
+              <a:t>10/6/2020</a:t>
             </a:fld>
             <a:endParaRPr lang="en-US" dirty="0"/>
           </a:p>
@@ -1063,7 +1064,7 @@
           <a:p>
             <a:fld id="{AAD9FF7F-6988-44CC-821B-644E70CD2F73}" type="datetimeFigureOut">
               <a:rPr lang="en-US" smtClean="0"/>
-              <a:t>9/30/2020</a:t>
+              <a:t>10/6/2020</a:t>
             </a:fld>
             <a:endParaRPr lang="en-US" dirty="0"/>
           </a:p>
@@ -1391,7 +1392,7 @@
           <a:p>
             <a:fld id="{5C12C299-16B2-4475-990D-751901EACC14}" type="datetimeFigureOut">
               <a:rPr lang="en-US" smtClean="0"/>
-              <a:t>9/30/2020</a:t>
+              <a:t>10/6/2020</a:t>
             </a:fld>
             <a:endParaRPr lang="en-US" dirty="0"/>
           </a:p>
@@ -2011,7 +2012,7 @@
           <a:p>
             <a:fld id="{9FE86839-B9D8-4651-8783-F325ECE74E65}" type="datetimeFigureOut">
               <a:rPr lang="en-US" smtClean="0"/>
-              <a:t>9/30/2020</a:t>
+              <a:t>10/6/2020</a:t>
             </a:fld>
             <a:endParaRPr lang="en-US" dirty="0"/>
           </a:p>
@@ -2859,7 +2860,7 @@
           <a:p>
             <a:fld id="{FD484F64-32F6-45C5-931F-ADC1662401D0}" type="datetimeFigureOut">
               <a:rPr lang="en-US" smtClean="0"/>
-              <a:t>9/30/2020</a:t>
+              <a:t>10/6/2020</a:t>
             </a:fld>
             <a:endParaRPr lang="en-US" dirty="0"/>
           </a:p>
@@ -3030,7 +3031,7 @@
           <a:p>
             <a:fld id="{53086D93-FCAC-47E0-A2EE-787E62CA814C}" type="datetimeFigureOut">
               <a:rPr lang="en-US" smtClean="0"/>
-              <a:t>9/30/2020</a:t>
+              <a:t>10/6/2020</a:t>
             </a:fld>
             <a:endParaRPr lang="en-US" dirty="0"/>
           </a:p>
@@ -3211,7 +3212,7 @@
           <a:p>
             <a:fld id="{CDA879A6-0FD0-4734-A311-86BFCA472E6E}" type="datetimeFigureOut">
               <a:rPr lang="en-US" smtClean="0"/>
-              <a:t>9/30/2020</a:t>
+              <a:t>10/6/2020</a:t>
             </a:fld>
             <a:endParaRPr lang="en-US" dirty="0"/>
           </a:p>
@@ -3460,7 +3461,7 @@
             <a:fld id="{5923F103-BC34-4FE4-A40E-EDDEECFDA5D0}" type="datetimeFigureOut">
               <a:rPr lang="en-US" smtClean="0"/>
               <a:pPr/>
-              <a:t>9/30/2020</a:t>
+              <a:t>10/6/2020</a:t>
             </a:fld>
             <a:endParaRPr lang="en-US" dirty="0"/>
           </a:p>
@@ -3631,7 +3632,7 @@
           <a:p>
             <a:fld id="{19C9CA7B-DFD4-44B5-8C60-D14B8CD1FB59}" type="datetimeFigureOut">
               <a:rPr lang="en-US" smtClean="0"/>
-              <a:t>9/30/2020</a:t>
+              <a:t>10/6/2020</a:t>
             </a:fld>
             <a:endParaRPr lang="en-US" dirty="0"/>
           </a:p>
@@ -3802,7 +3803,7 @@
           <a:p>
             <a:fld id="{19C9CA7B-DFD4-44B5-8C60-D14B8CD1FB59}" type="datetimeFigureOut">
               <a:rPr lang="en-US" smtClean="0"/>
-              <a:t>9/30/2020</a:t>
+              <a:t>10/6/2020</a:t>
             </a:fld>
             <a:endParaRPr lang="en-US" dirty="0"/>
           </a:p>
@@ -4050,7 +4051,7 @@
           <a:p>
             <a:fld id="{F34E6425-0181-43F2-84FC-787E803FD2F8}" type="datetimeFigureOut">
               <a:rPr lang="en-US" smtClean="0"/>
-              <a:t>9/30/2020</a:t>
+              <a:t>10/6/2020</a:t>
             </a:fld>
             <a:endParaRPr lang="en-US" dirty="0"/>
           </a:p>
@@ -4343,7 +4344,7 @@
           <a:p>
             <a:fld id="{3BDB8791-F1B0-41E7-B7FD-A781E65C4266}" type="datetimeFigureOut">
               <a:rPr lang="en-US" smtClean="0"/>
-              <a:t>9/30/2020</a:t>
+              <a:t>10/6/2020</a:t>
             </a:fld>
             <a:endParaRPr lang="en-US" dirty="0"/>
           </a:p>
@@ -4788,7 +4789,7 @@
           <a:p>
             <a:fld id="{5FDD63B2-E120-4ED8-B27B-C685F510A5FE}" type="datetimeFigureOut">
               <a:rPr lang="en-US" smtClean="0"/>
-              <a:t>9/30/2020</a:t>
+              <a:t>10/6/2020</a:t>
             </a:fld>
             <a:endParaRPr lang="en-US" dirty="0"/>
           </a:p>
@@ -4907,7 +4908,7 @@
           <a:p>
             <a:fld id="{7AA18ACC-A947-437B-A130-35BD54FDF1E9}" type="datetimeFigureOut">
               <a:rPr lang="en-US" smtClean="0"/>
-              <a:t>9/30/2020</a:t>
+              <a:t>10/6/2020</a:t>
             </a:fld>
             <a:endParaRPr lang="en-US" dirty="0"/>
           </a:p>
@@ -5003,7 +5004,7 @@
           <a:p>
             <a:fld id="{7C8D7E02-BCB8-4D50-A234-369438C08659}" type="datetimeFigureOut">
               <a:rPr lang="en-US" smtClean="0"/>
-              <a:t>9/30/2020</a:t>
+              <a:t>10/6/2020</a:t>
             </a:fld>
             <a:endParaRPr lang="en-US" dirty="0"/>
           </a:p>
@@ -5283,7 +5284,7 @@
           <a:p>
             <a:fld id="{76E86A4C-8E40-4F87-A4F0-01A0687C5742}" type="datetimeFigureOut">
               <a:rPr lang="en-US" smtClean="0"/>
-              <a:t>9/30/2020</a:t>
+              <a:t>10/6/2020</a:t>
             </a:fld>
             <a:endParaRPr lang="en-US" dirty="0"/>
           </a:p>
@@ -5559,7 +5560,7 @@
           <a:p>
             <a:fld id="{35E72C73-2D91-4E12-BA25-F0AA0C03599B}" type="datetimeFigureOut">
               <a:rPr lang="en-US" smtClean="0"/>
-              <a:t>9/30/2020</a:t>
+              <a:t>10/6/2020</a:t>
             </a:fld>
             <a:endParaRPr lang="en-US" dirty="0"/>
           </a:p>
@@ -5835,7 +5836,7 @@
           <a:p>
             <a:fld id="{923A1CC3-2375-41D4-9E03-427CAF2A4C1A}" type="datetimeFigureOut">
               <a:rPr lang="en-US" smtClean="0"/>
-              <a:t>9/30/2020</a:t>
+              <a:t>10/6/2020</a:t>
             </a:fld>
             <a:endParaRPr lang="en-US" dirty="0"/>
           </a:p>
@@ -6030,7 +6031,7 @@
           <a:p>
             <a:fld id="{AFF16868-8199-4C2C-A5B1-63AEE139F88E}" type="datetimeFigureOut">
               <a:rPr lang="en-US" smtClean="0"/>
-              <a:t>9/30/2020</a:t>
+              <a:t>10/6/2020</a:t>
             </a:fld>
             <a:endParaRPr lang="en-US" dirty="0"/>
           </a:p>
@@ -6302,7 +6303,7 @@
           <a:p>
             <a:fld id="{AAD9FF7F-6988-44CC-821B-644E70CD2F73}" type="datetimeFigureOut">
               <a:rPr lang="en-US" smtClean="0"/>
-              <a:t>9/30/2020</a:t>
+              <a:t>10/6/2020</a:t>
             </a:fld>
             <a:endParaRPr lang="en-US" dirty="0"/>
           </a:p>
@@ -6630,7 +6631,7 @@
           <a:p>
             <a:fld id="{F34E6425-0181-43F2-84FC-787E803FD2F8}" type="datetimeFigureOut">
               <a:rPr lang="en-US" smtClean="0"/>
-              <a:t>9/30/2020</a:t>
+              <a:t>10/6/2020</a:t>
             </a:fld>
             <a:endParaRPr lang="en-US" dirty="0"/>
           </a:p>
@@ -6878,7 +6879,7 @@
           <a:p>
             <a:fld id="{5C12C299-16B2-4475-990D-751901EACC14}" type="datetimeFigureOut">
               <a:rPr lang="en-US" smtClean="0"/>
-              <a:t>9/30/2020</a:t>
+              <a:t>10/6/2020</a:t>
             </a:fld>
             <a:endParaRPr lang="en-US" dirty="0"/>
           </a:p>
@@ -7498,7 +7499,7 @@
           <a:p>
             <a:fld id="{9FE86839-B9D8-4651-8783-F325ECE74E65}" type="datetimeFigureOut">
               <a:rPr lang="en-US" smtClean="0"/>
-              <a:t>9/30/2020</a:t>
+              <a:t>10/6/2020</a:t>
             </a:fld>
             <a:endParaRPr lang="en-US" dirty="0"/>
           </a:p>
@@ -8346,7 +8347,7 @@
           <a:p>
             <a:fld id="{FD484F64-32F6-45C5-931F-ADC1662401D0}" type="datetimeFigureOut">
               <a:rPr lang="en-US" smtClean="0"/>
-              <a:t>9/30/2020</a:t>
+              <a:t>10/6/2020</a:t>
             </a:fld>
             <a:endParaRPr lang="en-US" dirty="0"/>
           </a:p>
@@ -8517,7 +8518,7 @@
           <a:p>
             <a:fld id="{53086D93-FCAC-47E0-A2EE-787E62CA814C}" type="datetimeFigureOut">
               <a:rPr lang="en-US" smtClean="0"/>
-              <a:t>9/30/2020</a:t>
+              <a:t>10/6/2020</a:t>
             </a:fld>
             <a:endParaRPr lang="en-US" dirty="0"/>
           </a:p>
@@ -8698,7 +8699,7 @@
           <a:p>
             <a:fld id="{CDA879A6-0FD0-4734-A311-86BFCA472E6E}" type="datetimeFigureOut">
               <a:rPr lang="en-US" smtClean="0"/>
-              <a:t>9/30/2020</a:t>
+              <a:t>10/6/2020</a:t>
             </a:fld>
             <a:endParaRPr lang="en-US" dirty="0"/>
           </a:p>
@@ -8991,7 +8992,7 @@
           <a:p>
             <a:fld id="{3BDB8791-F1B0-41E7-B7FD-A781E65C4266}" type="datetimeFigureOut">
               <a:rPr lang="en-US" smtClean="0"/>
-              <a:t>9/30/2020</a:t>
+              <a:t>10/6/2020</a:t>
             </a:fld>
             <a:endParaRPr lang="en-US" dirty="0"/>
           </a:p>
@@ -9436,7 +9437,7 @@
           <a:p>
             <a:fld id="{5FDD63B2-E120-4ED8-B27B-C685F510A5FE}" type="datetimeFigureOut">
               <a:rPr lang="en-US" smtClean="0"/>
-              <a:t>9/30/2020</a:t>
+              <a:t>10/6/2020</a:t>
             </a:fld>
             <a:endParaRPr lang="en-US" dirty="0"/>
           </a:p>
@@ -9555,7 +9556,7 @@
           <a:p>
             <a:fld id="{7AA18ACC-A947-437B-A130-35BD54FDF1E9}" type="datetimeFigureOut">
               <a:rPr lang="en-US" smtClean="0"/>
-              <a:t>9/30/2020</a:t>
+              <a:t>10/6/2020</a:t>
             </a:fld>
             <a:endParaRPr lang="en-US" dirty="0"/>
           </a:p>
@@ -9651,7 +9652,7 @@
           <a:p>
             <a:fld id="{7C8D7E02-BCB8-4D50-A234-369438C08659}" type="datetimeFigureOut">
               <a:rPr lang="en-US" smtClean="0"/>
-              <a:t>9/30/2020</a:t>
+              <a:t>10/6/2020</a:t>
             </a:fld>
             <a:endParaRPr lang="en-US" dirty="0"/>
           </a:p>
@@ -9931,7 +9932,7 @@
           <a:p>
             <a:fld id="{76E86A4C-8E40-4F87-A4F0-01A0687C5742}" type="datetimeFigureOut">
               <a:rPr lang="en-US" smtClean="0"/>
-              <a:t>9/30/2020</a:t>
+              <a:t>10/6/2020</a:t>
             </a:fld>
             <a:endParaRPr lang="en-US" dirty="0"/>
           </a:p>
@@ -10207,7 +10208,7 @@
           <a:p>
             <a:fld id="{35E72C73-2D91-4E12-BA25-F0AA0C03599B}" type="datetimeFigureOut">
               <a:rPr lang="en-US" smtClean="0"/>
-              <a:t>9/30/2020</a:t>
+              <a:t>10/6/2020</a:t>
             </a:fld>
             <a:endParaRPr lang="en-US" dirty="0"/>
           </a:p>
@@ -10631,7 +10632,7 @@
           <a:p>
             <a:fld id="{2BE451C3-0FF4-47C4-B829-773ADF60F88C}" type="datetimeFigureOut">
               <a:rPr lang="en-US" smtClean="0"/>
-              <a:t>9/30/2020</a:t>
+              <a:t>10/6/2020</a:t>
             </a:fld>
             <a:endParaRPr lang="en-US" dirty="0"/>
           </a:p>
@@ -11506,7 +11507,7 @@
           <a:p>
             <a:fld id="{2BE451C3-0FF4-47C4-B829-773ADF60F88C}" type="datetimeFigureOut">
               <a:rPr lang="en-US" smtClean="0"/>
-              <a:t>9/30/2020</a:t>
+              <a:t>10/6/2020</a:t>
             </a:fld>
             <a:endParaRPr lang="en-US" dirty="0"/>
           </a:p>
@@ -17649,6 +17650,341 @@
     <p:extLst>
       <p:ext uri="{BB962C8B-B14F-4D97-AF65-F5344CB8AC3E}">
         <p14:creationId xmlns:p14="http://schemas.microsoft.com/office/powerpoint/2010/main" val="3238729573"/>
+      </p:ext>
+    </p:extLst>
+  </p:cSld>
+  <p:clrMapOvr>
+    <a:masterClrMapping/>
+  </p:clrMapOvr>
+</p:sld>
+</file>
+
+<file path=ppt/slides/slide22.xml><?xml version="1.0" encoding="utf-8"?>
+<p:sld xmlns:a="http://schemas.openxmlformats.org/drawingml/2006/main" xmlns:r="http://schemas.openxmlformats.org/officeDocument/2006/relationships" xmlns:p="http://schemas.openxmlformats.org/presentationml/2006/main">
+  <p:cSld>
+    <p:spTree>
+      <p:nvGrpSpPr>
+        <p:cNvPr id="1" name=""/>
+        <p:cNvGrpSpPr/>
+        <p:nvPr/>
+      </p:nvGrpSpPr>
+      <p:grpSpPr>
+        <a:xfrm>
+          <a:off x="0" y="0"/>
+          <a:ext cx="0" cy="0"/>
+          <a:chOff x="0" y="0"/>
+          <a:chExt cx="0" cy="0"/>
+        </a:xfrm>
+      </p:grpSpPr>
+      <p:sp>
+        <p:nvSpPr>
+          <p:cNvPr id="4" name="Title 3">
+            <a:extLst>
+              <a:ext uri="{FF2B5EF4-FFF2-40B4-BE49-F238E27FC236}">
+                <a16:creationId xmlns:a16="http://schemas.microsoft.com/office/drawing/2014/main" id="{2494E4FD-DBD7-4DB0-895A-946152CD8E7E}"/>
+              </a:ext>
+            </a:extLst>
+          </p:cNvPr>
+          <p:cNvSpPr>
+            <a:spLocks noGrp="1"/>
+          </p:cNvSpPr>
+          <p:nvPr>
+            <p:ph type="ctrTitle"/>
+          </p:nvPr>
+        </p:nvSpPr>
+        <p:spPr>
+          <a:xfrm>
+            <a:off x="744138" y="615489"/>
+            <a:ext cx="9645565" cy="861420"/>
+          </a:xfrm>
+        </p:spPr>
+        <p:txBody>
+          <a:bodyPr/>
+          <a:lstStyle/>
+          <a:p>
+            <a:r>
+              <a:rPr lang="en-US" sz="3200" dirty="0" err="1"/>
+              <a:t>Añadiendo</a:t>
+            </a:r>
+            <a:r>
+              <a:rPr lang="en-US" sz="3200" dirty="0"/>
+              <a:t> commits a un repo</a:t>
+            </a:r>
+          </a:p>
+        </p:txBody>
+      </p:sp>
+      <p:pic>
+        <p:nvPicPr>
+          <p:cNvPr id="6" name="Picture 2" descr="Git">
+            <a:extLst>
+              <a:ext uri="{FF2B5EF4-FFF2-40B4-BE49-F238E27FC236}">
+                <a16:creationId xmlns:a16="http://schemas.microsoft.com/office/drawing/2014/main" id="{BB79DDB0-B1D0-4AC6-A407-D1050CA69704}"/>
+              </a:ext>
+            </a:extLst>
+          </p:cNvPr>
+          <p:cNvPicPr>
+            <a:picLocks noChangeAspect="1" noChangeArrowheads="1"/>
+          </p:cNvPicPr>
+          <p:nvPr/>
+        </p:nvPicPr>
+        <p:blipFill>
+          <a:blip r:embed="rId2">
+            <a:extLst>
+              <a:ext uri="{28A0092B-C50C-407E-A947-70E740481C1C}">
+                <a14:useLocalDpi xmlns:a14="http://schemas.microsoft.com/office/drawing/2010/main" val="0"/>
+              </a:ext>
+            </a:extLst>
+          </a:blip>
+          <a:srcRect/>
+          <a:stretch>
+            <a:fillRect/>
+          </a:stretch>
+        </p:blipFill>
+        <p:spPr bwMode="auto">
+          <a:xfrm>
+            <a:off x="7726348" y="785693"/>
+            <a:ext cx="2095500" cy="876300"/>
+          </a:xfrm>
+          <a:prstGeom prst="rect">
+            <a:avLst/>
+          </a:prstGeom>
+          <a:noFill/>
+          <a:extLst>
+            <a:ext uri="{909E8E84-426E-40DD-AFC4-6F175D3DCCD1}">
+              <a14:hiddenFill xmlns:a14="http://schemas.microsoft.com/office/drawing/2010/main">
+                <a:solidFill>
+                  <a:srgbClr val="FFFFFF"/>
+                </a:solidFill>
+              </a14:hiddenFill>
+            </a:ext>
+          </a:extLst>
+        </p:spPr>
+      </p:pic>
+      <p:sp>
+        <p:nvSpPr>
+          <p:cNvPr id="5" name="Rectangle 4">
+            <a:extLst>
+              <a:ext uri="{FF2B5EF4-FFF2-40B4-BE49-F238E27FC236}">
+                <a16:creationId xmlns:a16="http://schemas.microsoft.com/office/drawing/2014/main" id="{53722966-5E1C-4E2E-B9D5-2F552FD282E6}"/>
+              </a:ext>
+            </a:extLst>
+          </p:cNvPr>
+          <p:cNvSpPr/>
+          <p:nvPr/>
+        </p:nvSpPr>
+        <p:spPr>
+          <a:xfrm>
+            <a:off x="106017" y="1647113"/>
+            <a:ext cx="7049099" cy="2585323"/>
+          </a:xfrm>
+          <a:prstGeom prst="rect">
+            <a:avLst/>
+          </a:prstGeom>
+        </p:spPr>
+        <p:txBody>
+          <a:bodyPr wrap="square">
+            <a:spAutoFit/>
+          </a:bodyPr>
+          <a:lstStyle/>
+          <a:p>
+            <a:pPr marL="285750" indent="-285750">
+              <a:buFont typeface="Arial" panose="020B0604020202020204" pitchFamily="34" charset="0"/>
+              <a:buChar char="•"/>
+            </a:pPr>
+            <a:r>
+              <a:rPr lang="en-US" dirty="0"/>
+              <a:t>Los commandos que </a:t>
+            </a:r>
+            <a:r>
+              <a:rPr lang="en-US" dirty="0" err="1"/>
+              <a:t>veremos</a:t>
+            </a:r>
+            <a:r>
+              <a:rPr lang="en-US" dirty="0"/>
+              <a:t> </a:t>
+            </a:r>
+            <a:r>
+              <a:rPr lang="en-US" dirty="0" err="1"/>
+              <a:t>aquí</a:t>
+            </a:r>
+            <a:r>
+              <a:rPr lang="en-US" dirty="0"/>
+              <a:t> </a:t>
+            </a:r>
+            <a:r>
+              <a:rPr lang="en-US" dirty="0" err="1"/>
+              <a:t>tienen</a:t>
+            </a:r>
+            <a:r>
+              <a:rPr lang="en-US" dirty="0"/>
+              <a:t> que </a:t>
+            </a:r>
+            <a:r>
+              <a:rPr lang="en-US" dirty="0" err="1"/>
+              <a:t>ver</a:t>
+            </a:r>
+            <a:r>
+              <a:rPr lang="en-US" dirty="0"/>
+              <a:t> con </a:t>
+            </a:r>
+            <a:r>
+              <a:rPr lang="en-US" dirty="0" err="1"/>
+              <a:t>añadir</a:t>
+            </a:r>
+            <a:r>
+              <a:rPr lang="en-US" dirty="0"/>
+              <a:t> un commit a un repo:</a:t>
+            </a:r>
+          </a:p>
+          <a:p>
+            <a:pPr marL="742950" lvl="1" indent="-285750">
+              <a:buFont typeface="Arial" panose="020B0604020202020204" pitchFamily="34" charset="0"/>
+              <a:buChar char="•"/>
+            </a:pPr>
+            <a:r>
+              <a:rPr lang="en-US" dirty="0"/>
+              <a:t>git add</a:t>
+            </a:r>
+          </a:p>
+          <a:p>
+            <a:pPr marL="1200150" lvl="2" indent="-285750">
+              <a:buFont typeface="Arial" panose="020B0604020202020204" pitchFamily="34" charset="0"/>
+              <a:buChar char="•"/>
+            </a:pPr>
+            <a:r>
+              <a:rPr lang="en-US" dirty="0" err="1"/>
+              <a:t>Añadir</a:t>
+            </a:r>
+            <a:r>
+              <a:rPr lang="en-US" dirty="0"/>
+              <a:t> </a:t>
+            </a:r>
+            <a:r>
+              <a:rPr lang="en-US" dirty="0" err="1"/>
+              <a:t>archivo</a:t>
+            </a:r>
+            <a:r>
+              <a:rPr lang="en-US" dirty="0"/>
+              <a:t> al </a:t>
+            </a:r>
+            <a:r>
+              <a:rPr lang="en-US" dirty="0" err="1"/>
+              <a:t>directorio</a:t>
+            </a:r>
+            <a:r>
+              <a:rPr lang="en-US" dirty="0"/>
+              <a:t> de </a:t>
+            </a:r>
+            <a:r>
+              <a:rPr lang="en-US" dirty="0" err="1"/>
+              <a:t>trabajo</a:t>
+            </a:r>
+            <a:r>
+              <a:rPr lang="en-US" dirty="0"/>
+              <a:t> (staging)</a:t>
+            </a:r>
+          </a:p>
+          <a:p>
+            <a:pPr marL="742950" lvl="1" indent="-285750">
+              <a:buFont typeface="Arial" panose="020B0604020202020204" pitchFamily="34" charset="0"/>
+              <a:buChar char="•"/>
+            </a:pPr>
+            <a:r>
+              <a:rPr lang="en-US" dirty="0"/>
+              <a:t>git commit</a:t>
+            </a:r>
+          </a:p>
+          <a:p>
+            <a:pPr marL="1200150" lvl="2" indent="-285750">
+              <a:buFont typeface="Arial" panose="020B0604020202020204" pitchFamily="34" charset="0"/>
+              <a:buChar char="•"/>
+            </a:pPr>
+            <a:r>
+              <a:rPr lang="en-US" dirty="0"/>
+              <a:t>Toma el </a:t>
+            </a:r>
+            <a:r>
+              <a:rPr lang="en-US" dirty="0" err="1"/>
+              <a:t>estado</a:t>
+            </a:r>
+            <a:r>
+              <a:rPr lang="en-US" dirty="0"/>
+              <a:t> de staging y lo </a:t>
+            </a:r>
+            <a:r>
+              <a:rPr lang="en-US" dirty="0" err="1"/>
+              <a:t>salva</a:t>
+            </a:r>
+            <a:r>
+              <a:rPr lang="en-US" dirty="0"/>
+              <a:t> </a:t>
+            </a:r>
+            <a:r>
+              <a:rPr lang="en-US" dirty="0" err="1"/>
+              <a:t>en</a:t>
+            </a:r>
+            <a:r>
+              <a:rPr lang="en-US" dirty="0"/>
+              <a:t> el repo</a:t>
+            </a:r>
+          </a:p>
+          <a:p>
+            <a:pPr marL="742950" lvl="1" indent="-285750">
+              <a:buFont typeface="Arial" panose="020B0604020202020204" pitchFamily="34" charset="0"/>
+              <a:buChar char="•"/>
+            </a:pPr>
+            <a:r>
+              <a:rPr lang="en-US" dirty="0"/>
+              <a:t>git diff</a:t>
+            </a:r>
+          </a:p>
+          <a:p>
+            <a:pPr marL="1200150" lvl="2" indent="-285750">
+              <a:buFont typeface="Arial" panose="020B0604020202020204" pitchFamily="34" charset="0"/>
+              <a:buChar char="•"/>
+            </a:pPr>
+            <a:r>
+              <a:rPr lang="en-US" dirty="0" err="1"/>
+              <a:t>Despliega</a:t>
+            </a:r>
+            <a:r>
+              <a:rPr lang="en-US" dirty="0"/>
+              <a:t> la </a:t>
+            </a:r>
+            <a:r>
+              <a:rPr lang="en-US" dirty="0" err="1"/>
+              <a:t>diferencia</a:t>
+            </a:r>
+            <a:r>
+              <a:rPr lang="en-US" dirty="0"/>
+              <a:t> entre dos </a:t>
+            </a:r>
+            <a:r>
+              <a:rPr lang="en-US" dirty="0" err="1"/>
+              <a:t>versiones</a:t>
+            </a:r>
+            <a:r>
+              <a:rPr lang="en-US" dirty="0"/>
+              <a:t> de un</a:t>
+            </a:r>
+          </a:p>
+          <a:p>
+            <a:pPr marL="1200150" lvl="2" indent="-285750">
+              <a:buFont typeface="Arial" panose="020B0604020202020204" pitchFamily="34" charset="0"/>
+              <a:buChar char="•"/>
+            </a:pPr>
+            <a:r>
+              <a:rPr lang="en-US" dirty="0" err="1"/>
+              <a:t>archivo</a:t>
+            </a:r>
+            <a:endParaRPr lang="en-US" dirty="0"/>
+          </a:p>
+        </p:txBody>
+      </p:sp>
+    </p:spTree>
+    <p:extLst>
+      <p:ext uri="{BB962C8B-B14F-4D97-AF65-F5344CB8AC3E}">
+        <p14:creationId xmlns:p14="http://schemas.microsoft.com/office/powerpoint/2010/main" val="2109923827"/>
       </p:ext>
     </p:extLst>
   </p:cSld>
